--- a/hafta09/hafta09.pptx
+++ b/hafta09/hafta09.pptx
@@ -155,6 +155,11 @@
       </a:defRPr>
     </a:lvl9pPr>
   </p:defaultTextStyle>
+  <p:extLst>
+    <p:ext uri="{EFAFB233-063F-42B5-8137-9DF3F51BA10A}">
+      <p15:sldGuideLst xmlns:p15="http://schemas.microsoft.com/office/powerpoint/2012/main"/>
+    </p:ext>
+  </p:extLst>
 </p:presentation>
 </file>
 
@@ -240,7 +245,7 @@
           <a:p>
             <a:fld id="{52944380-E71B-43D7-9F75-E62F5E30BEA5}" type="datetimeFigureOut">
               <a:rPr lang="en-US" smtClean="0"/>
-              <a:t>5/23/2023</a:t>
+              <a:t>5/24/2023</a:t>
             </a:fld>
             <a:endParaRPr lang="en-US"/>
           </a:p>
@@ -4686,7 +4691,7 @@
           <a:p>
             <a:fld id="{D77DCF74-D4EB-41E8-B3A2-A2D7D4BEC71B}" type="datetimeFigureOut">
               <a:rPr lang="en-US" smtClean="0"/>
-              <a:t>5/23/2023</a:t>
+              <a:t>5/24/2023</a:t>
             </a:fld>
             <a:endParaRPr lang="en-US"/>
           </a:p>
@@ -4884,7 +4889,7 @@
           <a:p>
             <a:fld id="{D77DCF74-D4EB-41E8-B3A2-A2D7D4BEC71B}" type="datetimeFigureOut">
               <a:rPr lang="en-US" smtClean="0"/>
-              <a:t>5/23/2023</a:t>
+              <a:t>5/24/2023</a:t>
             </a:fld>
             <a:endParaRPr lang="en-US"/>
           </a:p>
@@ -5092,7 +5097,7 @@
           <a:p>
             <a:fld id="{D77DCF74-D4EB-41E8-B3A2-A2D7D4BEC71B}" type="datetimeFigureOut">
               <a:rPr lang="en-US" smtClean="0"/>
-              <a:t>5/23/2023</a:t>
+              <a:t>5/24/2023</a:t>
             </a:fld>
             <a:endParaRPr lang="en-US"/>
           </a:p>
@@ -5290,7 +5295,7 @@
           <a:p>
             <a:fld id="{D77DCF74-D4EB-41E8-B3A2-A2D7D4BEC71B}" type="datetimeFigureOut">
               <a:rPr lang="en-US" smtClean="0"/>
-              <a:t>5/23/2023</a:t>
+              <a:t>5/24/2023</a:t>
             </a:fld>
             <a:endParaRPr lang="en-US"/>
           </a:p>
@@ -5565,7 +5570,7 @@
           <a:p>
             <a:fld id="{D77DCF74-D4EB-41E8-B3A2-A2D7D4BEC71B}" type="datetimeFigureOut">
               <a:rPr lang="en-US" smtClean="0"/>
-              <a:t>5/23/2023</a:t>
+              <a:t>5/24/2023</a:t>
             </a:fld>
             <a:endParaRPr lang="en-US"/>
           </a:p>
@@ -5830,7 +5835,7 @@
           <a:p>
             <a:fld id="{D77DCF74-D4EB-41E8-B3A2-A2D7D4BEC71B}" type="datetimeFigureOut">
               <a:rPr lang="en-US" smtClean="0"/>
-              <a:t>5/23/2023</a:t>
+              <a:t>5/24/2023</a:t>
             </a:fld>
             <a:endParaRPr lang="en-US"/>
           </a:p>
@@ -6242,7 +6247,7 @@
           <a:p>
             <a:fld id="{D77DCF74-D4EB-41E8-B3A2-A2D7D4BEC71B}" type="datetimeFigureOut">
               <a:rPr lang="en-US" smtClean="0"/>
-              <a:t>5/23/2023</a:t>
+              <a:t>5/24/2023</a:t>
             </a:fld>
             <a:endParaRPr lang="en-US"/>
           </a:p>
@@ -6383,7 +6388,7 @@
           <a:p>
             <a:fld id="{D77DCF74-D4EB-41E8-B3A2-A2D7D4BEC71B}" type="datetimeFigureOut">
               <a:rPr lang="en-US" smtClean="0"/>
-              <a:t>5/23/2023</a:t>
+              <a:t>5/24/2023</a:t>
             </a:fld>
             <a:endParaRPr lang="en-US"/>
           </a:p>
@@ -6496,7 +6501,7 @@
           <a:p>
             <a:fld id="{D77DCF74-D4EB-41E8-B3A2-A2D7D4BEC71B}" type="datetimeFigureOut">
               <a:rPr lang="en-US" smtClean="0"/>
-              <a:t>5/23/2023</a:t>
+              <a:t>5/24/2023</a:t>
             </a:fld>
             <a:endParaRPr lang="en-US"/>
           </a:p>
@@ -6807,7 +6812,7 @@
           <a:p>
             <a:fld id="{D77DCF74-D4EB-41E8-B3A2-A2D7D4BEC71B}" type="datetimeFigureOut">
               <a:rPr lang="en-US" smtClean="0"/>
-              <a:t>5/23/2023</a:t>
+              <a:t>5/24/2023</a:t>
             </a:fld>
             <a:endParaRPr lang="en-US"/>
           </a:p>
@@ -7095,7 +7100,7 @@
           <a:p>
             <a:fld id="{D77DCF74-D4EB-41E8-B3A2-A2D7D4BEC71B}" type="datetimeFigureOut">
               <a:rPr lang="en-US" smtClean="0"/>
-              <a:t>5/23/2023</a:t>
+              <a:t>5/24/2023</a:t>
             </a:fld>
             <a:endParaRPr lang="en-US"/>
           </a:p>
@@ -7336,7 +7341,7 @@
           <a:p>
             <a:fld id="{D77DCF74-D4EB-41E8-B3A2-A2D7D4BEC71B}" type="datetimeFigureOut">
               <a:rPr lang="en-US" smtClean="0"/>
-              <a:t>5/23/2023</a:t>
+              <a:t>5/24/2023</a:t>
             </a:fld>
             <a:endParaRPr lang="en-US"/>
           </a:p>
@@ -20392,11 +20397,11 @@
             </a:r>
             <a:r>
               <a:rPr lang="en-US" dirty="0"/>
-              <a:t> prog- </a:t>
-            </a:r>
-            <a:r>
-              <a:rPr lang="en-US" dirty="0" err="1"/>
-              <a:t>ramların</a:t>
+              <a:t> </a:t>
+            </a:r>
+            <a:r>
+              <a:rPr lang="en-US" dirty="0" err="1"/>
+              <a:t>programların</a:t>
             </a:r>
             <a:r>
               <a:rPr lang="en-US" dirty="0"/>
@@ -28052,7 +28057,15 @@
             </a:r>
             <a:r>
               <a:rPr lang="en-US" dirty="0" err="1"/>
-              <a:t>isimverilebilen</a:t>
+              <a:t>isim</a:t>
+            </a:r>
+            <a:r>
+              <a:rPr lang="tr-TR" dirty="0"/>
+              <a:t> </a:t>
+            </a:r>
+            <a:r>
+              <a:rPr lang="en-US" dirty="0" err="1"/>
+              <a:t>verilebilen</a:t>
             </a:r>
             <a:r>
               <a:rPr lang="en-US" dirty="0"/>
